--- a/презентация.pptx
+++ b/презентация.pptx
@@ -6,9 +6,11 @@
   </p:sldMasterIdLst>
   <p:sldIdLst>
     <p:sldId id="256" r:id="rId2"/>
-    <p:sldId id="257" r:id="rId3"/>
-    <p:sldId id="258" r:id="rId4"/>
-    <p:sldId id="259" r:id="rId5"/>
+    <p:sldId id="260" r:id="rId3"/>
+    <p:sldId id="257" r:id="rId4"/>
+    <p:sldId id="258" r:id="rId5"/>
+    <p:sldId id="259" r:id="rId6"/>
+    <p:sldId id="261" r:id="rId7"/>
   </p:sldIdLst>
   <p:sldSz cx="12192000" cy="6858000"/>
   <p:notesSz cx="6858000" cy="9144000"/>
@@ -107,6 +109,11 @@
       </a:defRPr>
     </a:lvl9pPr>
   </p:defaultTextStyle>
+  <p:extLst>
+    <p:ext uri="{EFAFB233-063F-42B5-8137-9DF3F51BA10A}">
+      <p15:sldGuideLst xmlns:p15="http://schemas.microsoft.com/office/powerpoint/2012/main"/>
+    </p:ext>
+  </p:extLst>
 </p:presentation>
 </file>
 
@@ -257,7 +264,7 @@
           <a:p>
             <a:fld id="{DD57899A-2EF4-485E-94ED-0B749045D18A}" type="datetimeFigureOut">
               <a:rPr lang="ru-RU" smtClean="0"/>
-              <a:t>01.11.2021</a:t>
+              <a:t>04.11.2021</a:t>
             </a:fld>
             <a:endParaRPr lang="ru-RU"/>
           </a:p>
@@ -455,7 +462,7 @@
           <a:p>
             <a:fld id="{DD57899A-2EF4-485E-94ED-0B749045D18A}" type="datetimeFigureOut">
               <a:rPr lang="ru-RU" smtClean="0"/>
-              <a:t>01.11.2021</a:t>
+              <a:t>04.11.2021</a:t>
             </a:fld>
             <a:endParaRPr lang="ru-RU"/>
           </a:p>
@@ -663,7 +670,7 @@
           <a:p>
             <a:fld id="{DD57899A-2EF4-485E-94ED-0B749045D18A}" type="datetimeFigureOut">
               <a:rPr lang="ru-RU" smtClean="0"/>
-              <a:t>01.11.2021</a:t>
+              <a:t>04.11.2021</a:t>
             </a:fld>
             <a:endParaRPr lang="ru-RU"/>
           </a:p>
@@ -861,7 +868,7 @@
           <a:p>
             <a:fld id="{DD57899A-2EF4-485E-94ED-0B749045D18A}" type="datetimeFigureOut">
               <a:rPr lang="ru-RU" smtClean="0"/>
-              <a:t>01.11.2021</a:t>
+              <a:t>04.11.2021</a:t>
             </a:fld>
             <a:endParaRPr lang="ru-RU"/>
           </a:p>
@@ -1136,7 +1143,7 @@
           <a:p>
             <a:fld id="{DD57899A-2EF4-485E-94ED-0B749045D18A}" type="datetimeFigureOut">
               <a:rPr lang="ru-RU" smtClean="0"/>
-              <a:t>01.11.2021</a:t>
+              <a:t>04.11.2021</a:t>
             </a:fld>
             <a:endParaRPr lang="ru-RU"/>
           </a:p>
@@ -1401,7 +1408,7 @@
           <a:p>
             <a:fld id="{DD57899A-2EF4-485E-94ED-0B749045D18A}" type="datetimeFigureOut">
               <a:rPr lang="ru-RU" smtClean="0"/>
-              <a:t>01.11.2021</a:t>
+              <a:t>04.11.2021</a:t>
             </a:fld>
             <a:endParaRPr lang="ru-RU"/>
           </a:p>
@@ -1813,7 +1820,7 @@
           <a:p>
             <a:fld id="{DD57899A-2EF4-485E-94ED-0B749045D18A}" type="datetimeFigureOut">
               <a:rPr lang="ru-RU" smtClean="0"/>
-              <a:t>01.11.2021</a:t>
+              <a:t>04.11.2021</a:t>
             </a:fld>
             <a:endParaRPr lang="ru-RU"/>
           </a:p>
@@ -1954,7 +1961,7 @@
           <a:p>
             <a:fld id="{DD57899A-2EF4-485E-94ED-0B749045D18A}" type="datetimeFigureOut">
               <a:rPr lang="ru-RU" smtClean="0"/>
-              <a:t>01.11.2021</a:t>
+              <a:t>04.11.2021</a:t>
             </a:fld>
             <a:endParaRPr lang="ru-RU"/>
           </a:p>
@@ -2067,7 +2074,7 @@
           <a:p>
             <a:fld id="{DD57899A-2EF4-485E-94ED-0B749045D18A}" type="datetimeFigureOut">
               <a:rPr lang="ru-RU" smtClean="0"/>
-              <a:t>01.11.2021</a:t>
+              <a:t>04.11.2021</a:t>
             </a:fld>
             <a:endParaRPr lang="ru-RU"/>
           </a:p>
@@ -2378,7 +2385,7 @@
           <a:p>
             <a:fld id="{DD57899A-2EF4-485E-94ED-0B749045D18A}" type="datetimeFigureOut">
               <a:rPr lang="ru-RU" smtClean="0"/>
-              <a:t>01.11.2021</a:t>
+              <a:t>04.11.2021</a:t>
             </a:fld>
             <a:endParaRPr lang="ru-RU"/>
           </a:p>
@@ -2666,7 +2673,7 @@
           <a:p>
             <a:fld id="{DD57899A-2EF4-485E-94ED-0B749045D18A}" type="datetimeFigureOut">
               <a:rPr lang="ru-RU" smtClean="0"/>
-              <a:t>01.11.2021</a:t>
+              <a:t>04.11.2021</a:t>
             </a:fld>
             <a:endParaRPr lang="ru-RU"/>
           </a:p>
@@ -2910,7 +2917,7 @@
           <a:p>
             <a:fld id="{DD57899A-2EF4-485E-94ED-0B749045D18A}" type="datetimeFigureOut">
               <a:rPr lang="ru-RU" smtClean="0"/>
-              <a:t>01.11.2021</a:t>
+              <a:t>04.11.2021</a:t>
             </a:fld>
             <a:endParaRPr lang="ru-RU"/>
           </a:p>
@@ -3327,6 +3334,85 @@
           <a:chExt cx="0" cy="0"/>
         </a:xfrm>
       </p:grpSpPr>
+      <p:pic>
+        <p:nvPicPr>
+          <p:cNvPr id="1026" name="Picture 2">
+            <a:extLst>
+              <a:ext uri="{FF2B5EF4-FFF2-40B4-BE49-F238E27FC236}">
+                <a16:creationId xmlns:a16="http://schemas.microsoft.com/office/drawing/2014/main" id="{1D7926DE-892C-475B-9DC5-D480A5C39507}"/>
+              </a:ext>
+            </a:extLst>
+          </p:cNvPr>
+          <p:cNvPicPr>
+            <a:picLocks noChangeAspect="1" noChangeArrowheads="1"/>
+          </p:cNvPicPr>
+          <p:nvPr/>
+        </p:nvPicPr>
+        <p:blipFill rotWithShape="1">
+          <a:blip r:embed="rId2">
+            <a:extLst>
+              <a:ext uri="{BEBA8EAE-BF5A-486C-A8C5-ECC9F3942E4B}">
+                <a14:imgProps xmlns:a14="http://schemas.microsoft.com/office/drawing/2010/main">
+                  <a14:imgLayer r:embed="rId3">
+                    <a14:imgEffect>
+                      <a14:backgroundRemoval t="10000" b="90000" l="10000" r="90000">
+                        <a14:foregroundMark x1="29000" y1="63592" x2="29000" y2="63592"/>
+                        <a14:foregroundMark x1="29083" y1="62985" x2="30333" y2="54612"/>
+                        <a14:foregroundMark x1="30333" y1="54612" x2="31917" y2="62621"/>
+                        <a14:foregroundMark x1="31917" y1="62621" x2="30583" y2="66019"/>
+                        <a14:foregroundMark x1="31833" y1="62621" x2="38750" y2="54733"/>
+                        <a14:foregroundMark x1="38750" y1="54733" x2="38750" y2="43689"/>
+                        <a14:foregroundMark x1="38750" y1="43689" x2="35833" y2="38107"/>
+                        <a14:foregroundMark x1="35833" y1="38107" x2="35083" y2="32767"/>
+                        <a14:foregroundMark x1="16500" y1="76578" x2="36000" y2="73786"/>
+                        <a14:foregroundMark x1="36000" y1="73786" x2="45250" y2="74029"/>
+                        <a14:foregroundMark x1="26750" y1="77913" x2="37167" y2="76092"/>
+                        <a14:foregroundMark x1="37083" y1="77791" x2="46250" y2="76335"/>
+                        <a14:foregroundMark x1="50250" y1="79248" x2="61333" y2="77791"/>
+                        <a14:foregroundMark x1="61333" y1="77791" x2="61750" y2="77791"/>
+                        <a14:foregroundMark x1="70500" y1="77549" x2="76250" y2="78762"/>
+                        <a14:foregroundMark x1="72667" y1="48058" x2="73417" y2="38835"/>
+                        <a14:foregroundMark x1="73417" y1="38835" x2="70583" y2="33131"/>
+                        <a14:foregroundMark x1="70583" y1="33131" x2="67917" y2="40898"/>
+                        <a14:foregroundMark x1="67917" y1="40898" x2="62750" y2="34951"/>
+                        <a14:foregroundMark x1="62750" y1="34951" x2="56750" y2="39927"/>
+                        <a14:foregroundMark x1="56750" y1="39927" x2="55833" y2="39927"/>
+                        <a14:foregroundMark x1="61833" y1="52306" x2="61833" y2="42597"/>
+                        <a14:foregroundMark x1="70917" y1="57160" x2="71667" y2="53155"/>
+                        <a14:foregroundMark x1="36167" y1="67961" x2="35917" y2="66748"/>
+                      </a14:backgroundRemoval>
+                    </a14:imgEffect>
+                  </a14:imgLayer>
+                </a14:imgProps>
+              </a:ext>
+              <a:ext uri="{28A0092B-C50C-407E-A947-70E740481C1C}">
+                <a14:useLocalDpi xmlns:a14="http://schemas.microsoft.com/office/drawing/2010/main" val="0"/>
+              </a:ext>
+            </a:extLst>
+          </a:blip>
+          <a:srcRect r="11876" b="19665"/>
+          <a:stretch/>
+        </p:blipFill>
+        <p:spPr bwMode="auto">
+          <a:xfrm>
+            <a:off x="4370816" y="1961965"/>
+            <a:ext cx="7821184" cy="4896035"/>
+          </a:xfrm>
+          <a:prstGeom prst="rect">
+            <a:avLst/>
+          </a:prstGeom>
+          <a:noFill/>
+          <a:extLst>
+            <a:ext uri="{909E8E84-426E-40DD-AFC4-6F175D3DCCD1}">
+              <a14:hiddenFill xmlns:a14="http://schemas.microsoft.com/office/drawing/2010/main">
+                <a:solidFill>
+                  <a:srgbClr val="FFFFFF"/>
+                </a:solidFill>
+              </a14:hiddenFill>
+            </a:ext>
+          </a:extLst>
+        </p:spPr>
+      </p:pic>
       <p:sp>
         <p:nvSpPr>
           <p:cNvPr id="46" name="TextBox 45">
@@ -3342,7 +3428,7 @@
         <p:spPr>
           <a:xfrm>
             <a:off x="0" y="0"/>
-            <a:ext cx="12192000" cy="4708981"/>
+            <a:ext cx="12192000" cy="6247864"/>
           </a:xfrm>
           <a:prstGeom prst="rect">
             <a:avLst/>
@@ -3369,7 +3455,13 @@
           <a:p>
             <a:r>
               <a:rPr lang="ru-RU" sz="10000" dirty="0"/>
-              <a:t>ДЕЛАТЬ МЕМЫ</a:t>
+              <a:t>ДЕЛАТЬ</a:t>
+            </a:r>
+          </a:p>
+          <a:p>
+            <a:r>
+              <a:rPr lang="ru-RU" sz="10000" dirty="0"/>
+              <a:t>МЕМЫ</a:t>
             </a:r>
           </a:p>
         </p:txBody>
@@ -3409,7 +3501,7 @@
           <p:cNvPr id="2" name="Заголовок 1">
             <a:extLst>
               <a:ext uri="{FF2B5EF4-FFF2-40B4-BE49-F238E27FC236}">
-                <a16:creationId xmlns:a16="http://schemas.microsoft.com/office/drawing/2014/main" id="{89EF77CF-D4D8-4AC4-80D0-1B011FB2D28F}"/>
+                <a16:creationId xmlns:a16="http://schemas.microsoft.com/office/drawing/2014/main" id="{33C6651F-B892-44FC-A447-58879F05A478}"/>
               </a:ext>
             </a:extLst>
           </p:cNvPr>
@@ -3427,7 +3519,7 @@
           <a:p>
             <a:r>
               <a:rPr lang="ru-RU" dirty="0"/>
-              <a:t>Описание</a:t>
+              <a:t>Цель создания</a:t>
             </a:r>
           </a:p>
         </p:txBody>
@@ -3437,7 +3529,7 @@
           <p:cNvPr id="3" name="Объект 2">
             <a:extLst>
               <a:ext uri="{FF2B5EF4-FFF2-40B4-BE49-F238E27FC236}">
-                <a16:creationId xmlns:a16="http://schemas.microsoft.com/office/drawing/2014/main" id="{9BCBE20A-0E80-4919-8969-F8BC0D031841}"/>
+                <a16:creationId xmlns:a16="http://schemas.microsoft.com/office/drawing/2014/main" id="{6BD8E999-A5C2-4CFD-A157-E01D94C4C283}"/>
               </a:ext>
             </a:extLst>
           </p:cNvPr>
@@ -3455,52 +3547,47 @@
           <a:p>
             <a:r>
               <a:rPr lang="ru-RU" dirty="0"/>
-              <a:t>Представляю вам компьютерное приложение  – </a:t>
+              <a:t>В наше время есть большое количество социальных сетей</a:t>
             </a:r>
             <a:r>
               <a:rPr lang="en-US" dirty="0"/>
-              <a:t>“</a:t>
+              <a:t>. </a:t>
             </a:r>
             <a:r>
               <a:rPr lang="ru-RU" dirty="0"/>
-              <a:t>Генератор мемов</a:t>
+              <a:t>Огромную долю контента в них составляют смешные картинки</a:t>
             </a:r>
             <a:r>
               <a:rPr lang="en-US" dirty="0"/>
-              <a:t>”. </a:t>
+              <a:t>, </a:t>
             </a:r>
             <a:r>
               <a:rPr lang="ru-RU" dirty="0"/>
-              <a:t>Оно позволяет вам создавать полноценные мемы</a:t>
-            </a:r>
-            <a:r>
-              <a:rPr lang="en-US" dirty="0"/>
-              <a:t>,</a:t>
-            </a:r>
-            <a:r>
-              <a:rPr lang="ru-RU" dirty="0"/>
-              <a:t> без использования </a:t>
-            </a:r>
-            <a:r>
-              <a:rPr lang="ru-RU" dirty="0" err="1"/>
-              <a:t>фотошопа</a:t>
-            </a:r>
-            <a:r>
-              <a:rPr lang="ru-RU" dirty="0"/>
-              <a:t> или других программ</a:t>
+              <a:t>мемы</a:t>
             </a:r>
             <a:r>
               <a:rPr lang="en-US" dirty="0"/>
               <a:t>.</a:t>
             </a:r>
-            <a:endParaRPr lang="ru-RU" dirty="0"/>
+            <a:r>
+              <a:rPr lang="ru-RU" dirty="0"/>
+              <a:t> Они позволяют нам не зацикливаться на жизненных проблемах и хотя бы на минуту отвлечься посмеяться</a:t>
+            </a:r>
+            <a:r>
+              <a:rPr lang="en-US" dirty="0"/>
+              <a:t>. </a:t>
+            </a:r>
+            <a:r>
+              <a:rPr lang="ru-RU" dirty="0"/>
+              <a:t>Мое приложение способно помочь при их создании</a:t>
+            </a:r>
           </a:p>
         </p:txBody>
       </p:sp>
     </p:spTree>
     <p:extLst>
       <p:ext uri="{BB962C8B-B14F-4D97-AF65-F5344CB8AC3E}">
-        <p14:creationId xmlns:p14="http://schemas.microsoft.com/office/powerpoint/2010/main" val="1347216266"/>
+        <p14:creationId xmlns:p14="http://schemas.microsoft.com/office/powerpoint/2010/main" val="238415708"/>
       </p:ext>
     </p:extLst>
   </p:cSld>
@@ -3532,7 +3619,7 @@
           <p:cNvPr id="2" name="Заголовок 1">
             <a:extLst>
               <a:ext uri="{FF2B5EF4-FFF2-40B4-BE49-F238E27FC236}">
-                <a16:creationId xmlns:a16="http://schemas.microsoft.com/office/drawing/2014/main" id="{6CB981F6-C398-4A89-A1DA-8C4FEB1467E7}"/>
+                <a16:creationId xmlns:a16="http://schemas.microsoft.com/office/drawing/2014/main" id="{89EF77CF-D4D8-4AC4-80D0-1B011FB2D28F}"/>
               </a:ext>
             </a:extLst>
           </p:cNvPr>
@@ -3550,7 +3637,7 @@
           <a:p>
             <a:r>
               <a:rPr lang="ru-RU" dirty="0"/>
-              <a:t>Использованные технологии</a:t>
+              <a:t>Описание</a:t>
             </a:r>
           </a:p>
         </p:txBody>
@@ -3560,7 +3647,7 @@
           <p:cNvPr id="3" name="Объект 2">
             <a:extLst>
               <a:ext uri="{FF2B5EF4-FFF2-40B4-BE49-F238E27FC236}">
-                <a16:creationId xmlns:a16="http://schemas.microsoft.com/office/drawing/2014/main" id="{217B2EA3-2AF4-4E82-A868-6321669832EA}"/>
+                <a16:creationId xmlns:a16="http://schemas.microsoft.com/office/drawing/2014/main" id="{9BCBE20A-0E80-4919-8969-F8BC0D031841}"/>
               </a:ext>
             </a:extLst>
           </p:cNvPr>
@@ -3577,36 +3664,148 @@
           <a:lstStyle/>
           <a:p>
             <a:r>
+              <a:rPr lang="ru-RU" dirty="0"/>
+              <a:t>Барышев Алан представляет вам компьютерное приложение  – </a:t>
+            </a:r>
+            <a:r>
               <a:rPr lang="en-US" dirty="0"/>
-              <a:t>SQL</a:t>
-            </a:r>
-          </a:p>
-          <a:p>
+              <a:t>“</a:t>
+            </a:r>
             <a:r>
               <a:rPr lang="ru-RU" dirty="0"/>
-              <a:t>Библиотека для работы с изображениями – </a:t>
+              <a:t>Генератор мемов</a:t>
             </a:r>
             <a:r>
               <a:rPr lang="en-US" dirty="0"/>
-              <a:t>PIL</a:t>
+              <a:t>”. </a:t>
+            </a:r>
+            <a:r>
+              <a:rPr lang="ru-RU" dirty="0"/>
+              <a:t>Оно позволяет вам создавать полноценные мемы</a:t>
+            </a:r>
+            <a:r>
+              <a:rPr lang="en-US" dirty="0"/>
+              <a:t>,</a:t>
+            </a:r>
+            <a:r>
+              <a:rPr lang="ru-RU" dirty="0"/>
+              <a:t> без использования </a:t>
+            </a:r>
+            <a:r>
+              <a:rPr lang="ru-RU" dirty="0" err="1"/>
+              <a:t>фотошопа</a:t>
+            </a:r>
+            <a:r>
+              <a:rPr lang="ru-RU" dirty="0"/>
+              <a:t> или других программ</a:t>
+            </a:r>
+            <a:r>
+              <a:rPr lang="en-US" dirty="0"/>
+              <a:t>.</a:t>
+            </a:r>
+            <a:r>
+              <a:rPr lang="ru-RU" dirty="0"/>
+              <a:t> В это приложение входит большая библиотека из более 36 шаблонов и 300 шрифтов</a:t>
+            </a:r>
+            <a:r>
+              <a:rPr lang="en-US" dirty="0"/>
+              <a:t>. </a:t>
             </a:r>
             <a:endParaRPr lang="ru-RU" dirty="0"/>
           </a:p>
-          <a:p>
-            <a:r>
-              <a:rPr lang="en-US" dirty="0"/>
-              <a:t>PyQT5</a:t>
-            </a:r>
-          </a:p>
-          <a:p>
-            <a:endParaRPr lang="ru-RU" dirty="0"/>
-          </a:p>
-        </p:txBody>
-      </p:sp>
+        </p:txBody>
+      </p:sp>
+      <p:pic>
+        <p:nvPicPr>
+          <p:cNvPr id="2050" name="Picture 2">
+            <a:extLst>
+              <a:ext uri="{FF2B5EF4-FFF2-40B4-BE49-F238E27FC236}">
+                <a16:creationId xmlns:a16="http://schemas.microsoft.com/office/drawing/2014/main" id="{25DE4C6E-1E59-4AD2-9552-FCAFA36CCD28}"/>
+              </a:ext>
+            </a:extLst>
+          </p:cNvPr>
+          <p:cNvPicPr>
+            <a:picLocks noChangeAspect="1" noChangeArrowheads="1"/>
+          </p:cNvPicPr>
+          <p:nvPr/>
+        </p:nvPicPr>
+        <p:blipFill>
+          <a:blip r:embed="rId2">
+            <a:extLst>
+              <a:ext uri="{BEBA8EAE-BF5A-486C-A8C5-ECC9F3942E4B}">
+                <a14:imgProps xmlns:a14="http://schemas.microsoft.com/office/drawing/2010/main">
+                  <a14:imgLayer r:embed="rId3">
+                    <a14:imgEffect>
+                      <a14:backgroundRemoval t="496" b="99132" l="4306" r="99444">
+                        <a14:foregroundMark x1="27500" y1="9677" x2="29167" y2="34615"/>
+                        <a14:foregroundMark x1="29167" y1="34615" x2="34444" y2="44045"/>
+                        <a14:foregroundMark x1="4583" y1="14392" x2="12222" y2="15881"/>
+                        <a14:foregroundMark x1="3333" y1="41811" x2="31111" y2="35236"/>
+                        <a14:foregroundMark x1="31111" y1="35236" x2="32361" y2="47643"/>
+                        <a14:foregroundMark x1="32361" y1="47643" x2="47639" y2="68238"/>
+                        <a14:foregroundMark x1="47639" y1="68238" x2="60139" y2="91935"/>
+                        <a14:foregroundMark x1="60139" y1="91935" x2="55556" y2="95533"/>
+                        <a14:foregroundMark x1="65833" y1="97519" x2="57639" y2="99132"/>
+                        <a14:foregroundMark x1="57639" y1="99132" x2="49306" y2="94913"/>
+                        <a14:foregroundMark x1="49306" y1="94913" x2="43889" y2="84864"/>
+                        <a14:foregroundMark x1="43889" y1="84864" x2="45139" y2="74069"/>
+                        <a14:foregroundMark x1="45139" y1="74069" x2="38194" y2="64640"/>
+                        <a14:foregroundMark x1="38194" y1="64640" x2="44444" y2="50620"/>
+                        <a14:foregroundMark x1="44444" y1="50620" x2="55694" y2="43300"/>
+                        <a14:foregroundMark x1="55694" y1="43300" x2="49306" y2="33127"/>
+                        <a14:foregroundMark x1="49306" y1="33127" x2="36528" y2="38586"/>
+                        <a14:foregroundMark x1="36528" y1="38586" x2="29028" y2="49007"/>
+                        <a14:foregroundMark x1="29028" y1="49007" x2="28333" y2="60050"/>
+                        <a14:foregroundMark x1="28333" y1="60050" x2="28611" y2="61290"/>
+                        <a14:foregroundMark x1="94444" y1="64516" x2="94028" y2="50620"/>
+                        <a14:foregroundMark x1="94583" y1="55831" x2="91667" y2="53722"/>
+                        <a14:foregroundMark x1="93056" y1="50620" x2="99722" y2="47395"/>
+                        <a14:foregroundMark x1="42222" y1="63275" x2="50139" y2="57816"/>
+                        <a14:foregroundMark x1="25000" y1="56328" x2="21528" y2="53970"/>
+                        <a14:foregroundMark x1="34306" y1="10298" x2="34306" y2="4715"/>
+                        <a14:foregroundMark x1="35000" y1="3102" x2="37083" y2="496"/>
+                        <a14:foregroundMark x1="57361" y1="35112" x2="62500" y2="47022"/>
+                        <a14:foregroundMark x1="62500" y1="47022" x2="62500" y2="47767"/>
+                        <a14:foregroundMark x1="29167" y1="45533" x2="27917" y2="43176"/>
+                      </a14:backgroundRemoval>
+                    </a14:imgEffect>
+                  </a14:imgLayer>
+                </a14:imgProps>
+              </a:ext>
+              <a:ext uri="{28A0092B-C50C-407E-A947-70E740481C1C}">
+                <a14:useLocalDpi xmlns:a14="http://schemas.microsoft.com/office/drawing/2010/main" val="0"/>
+              </a:ext>
+            </a:extLst>
+          </a:blip>
+          <a:srcRect/>
+          <a:stretch>
+            <a:fillRect/>
+          </a:stretch>
+        </p:blipFill>
+        <p:spPr bwMode="auto">
+          <a:xfrm rot="20807662">
+            <a:off x="3295946" y="3185260"/>
+            <a:ext cx="3874702" cy="4337577"/>
+          </a:xfrm>
+          <a:prstGeom prst="rect">
+            <a:avLst/>
+          </a:prstGeom>
+          <a:noFill/>
+          <a:extLst>
+            <a:ext uri="{909E8E84-426E-40DD-AFC4-6F175D3DCCD1}">
+              <a14:hiddenFill xmlns:a14="http://schemas.microsoft.com/office/drawing/2010/main">
+                <a:solidFill>
+                  <a:srgbClr val="FFFFFF"/>
+                </a:solidFill>
+              </a14:hiddenFill>
+            </a:ext>
+          </a:extLst>
+        </p:spPr>
+      </p:pic>
     </p:spTree>
     <p:extLst>
       <p:ext uri="{BB962C8B-B14F-4D97-AF65-F5344CB8AC3E}">
-        <p14:creationId xmlns:p14="http://schemas.microsoft.com/office/powerpoint/2010/main" val="3320427702"/>
+        <p14:creationId xmlns:p14="http://schemas.microsoft.com/office/powerpoint/2010/main" val="1347216266"/>
       </p:ext>
     </p:extLst>
   </p:cSld>
@@ -3638,6 +3837,273 @@
           <p:cNvPr id="2" name="Заголовок 1">
             <a:extLst>
               <a:ext uri="{FF2B5EF4-FFF2-40B4-BE49-F238E27FC236}">
+                <a16:creationId xmlns:a16="http://schemas.microsoft.com/office/drawing/2014/main" id="{6CB981F6-C398-4A89-A1DA-8C4FEB1467E7}"/>
+              </a:ext>
+            </a:extLst>
+          </p:cNvPr>
+          <p:cNvSpPr>
+            <a:spLocks noGrp="1"/>
+          </p:cNvSpPr>
+          <p:nvPr>
+            <p:ph type="title"/>
+          </p:nvPr>
+        </p:nvSpPr>
+        <p:spPr/>
+        <p:txBody>
+          <a:bodyPr/>
+          <a:lstStyle/>
+          <a:p>
+            <a:r>
+              <a:rPr lang="ru-RU" dirty="0"/>
+              <a:t>Использованные технологии</a:t>
+            </a:r>
+          </a:p>
+        </p:txBody>
+      </p:sp>
+      <p:sp>
+        <p:nvSpPr>
+          <p:cNvPr id="3" name="Объект 2">
+            <a:extLst>
+              <a:ext uri="{FF2B5EF4-FFF2-40B4-BE49-F238E27FC236}">
+                <a16:creationId xmlns:a16="http://schemas.microsoft.com/office/drawing/2014/main" id="{217B2EA3-2AF4-4E82-A868-6321669832EA}"/>
+              </a:ext>
+            </a:extLst>
+          </p:cNvPr>
+          <p:cNvSpPr>
+            <a:spLocks noGrp="1"/>
+          </p:cNvSpPr>
+          <p:nvPr>
+            <p:ph idx="1"/>
+          </p:nvPr>
+        </p:nvSpPr>
+        <p:spPr/>
+        <p:txBody>
+          <a:bodyPr/>
+          <a:lstStyle/>
+          <a:p>
+            <a:r>
+              <a:rPr lang="en-US" dirty="0"/>
+              <a:t>SQL</a:t>
+            </a:r>
+          </a:p>
+          <a:p>
+            <a:r>
+              <a:rPr lang="ru-RU" dirty="0"/>
+              <a:t>Библиотека для работы с изображениями – </a:t>
+            </a:r>
+            <a:r>
+              <a:rPr lang="en-US" dirty="0"/>
+              <a:t>PIL</a:t>
+            </a:r>
+            <a:endParaRPr lang="ru-RU" dirty="0"/>
+          </a:p>
+          <a:p>
+            <a:r>
+              <a:rPr lang="en-US" dirty="0"/>
+              <a:t>PyQT5</a:t>
+            </a:r>
+          </a:p>
+          <a:p>
+            <a:endParaRPr lang="ru-RU" dirty="0"/>
+          </a:p>
+        </p:txBody>
+      </p:sp>
+      <p:pic>
+        <p:nvPicPr>
+          <p:cNvPr id="3076" name="Picture 4">
+            <a:extLst>
+              <a:ext uri="{FF2B5EF4-FFF2-40B4-BE49-F238E27FC236}">
+                <a16:creationId xmlns:a16="http://schemas.microsoft.com/office/drawing/2014/main" id="{6BF5316E-7F39-4B3C-BCF5-EFD9E1E97420}"/>
+              </a:ext>
+            </a:extLst>
+          </p:cNvPr>
+          <p:cNvPicPr>
+            <a:picLocks noChangeAspect="1" noChangeArrowheads="1"/>
+          </p:cNvPicPr>
+          <p:nvPr/>
+        </p:nvPicPr>
+        <p:blipFill>
+          <a:blip r:embed="rId2">
+            <a:extLst>
+              <a:ext uri="{BEBA8EAE-BF5A-486C-A8C5-ECC9F3942E4B}">
+                <a14:imgProps xmlns:a14="http://schemas.microsoft.com/office/drawing/2010/main">
+                  <a14:imgLayer r:embed="rId3">
+                    <a14:imgEffect>
+                      <a14:backgroundRemoval t="10000" b="99778" l="778" r="98222">
+                        <a14:foregroundMark x1="43222" y1="83667" x2="37444" y2="49889"/>
+                        <a14:foregroundMark x1="53111" y1="60333" x2="38222" y2="67667"/>
+                        <a14:foregroundMark x1="35000" y1="73000" x2="29889" y2="67000"/>
+                        <a14:foregroundMark x1="29889" y1="67000" x2="26222" y2="56222"/>
+                        <a14:foregroundMark x1="26222" y1="56222" x2="26222" y2="56222"/>
+                        <a14:foregroundMark x1="40222" y1="45333" x2="42778" y2="53556"/>
+                        <a14:foregroundMark x1="45000" y1="46889" x2="43000" y2="39778"/>
+                        <a14:foregroundMark x1="39444" y1="39000" x2="29111" y2="46333"/>
+                        <a14:foregroundMark x1="29111" y1="46333" x2="27778" y2="50000"/>
+                        <a14:foregroundMark x1="29111" y1="51889" x2="24111" y2="58111"/>
+                        <a14:foregroundMark x1="24111" y1="58111" x2="20889" y2="74667"/>
+                        <a14:foregroundMark x1="20889" y1="74667" x2="24222" y2="85222"/>
+                        <a14:foregroundMark x1="24222" y1="85222" x2="34333" y2="89889"/>
+                        <a14:foregroundMark x1="34333" y1="89889" x2="47000" y2="87333"/>
+                        <a14:foregroundMark x1="47000" y1="87333" x2="52222" y2="78444"/>
+                        <a14:foregroundMark x1="52222" y1="78444" x2="39889" y2="67444"/>
+                        <a14:foregroundMark x1="39889" y1="67444" x2="19333" y2="63333"/>
+                        <a14:foregroundMark x1="19333" y1="63333" x2="12667" y2="58667"/>
+                        <a14:foregroundMark x1="12667" y1="58667" x2="10556" y2="51444"/>
+                        <a14:foregroundMark x1="10556" y1="51444" x2="12222" y2="48333"/>
+                        <a14:foregroundMark x1="12667" y1="54333" x2="5222" y2="29222"/>
+                        <a14:foregroundMark x1="5222" y1="29222" x2="5222" y2="29222"/>
+                        <a14:foregroundMark x1="17444" y1="53444" x2="14333" y2="50444"/>
+                        <a14:foregroundMark x1="76444" y1="73222" x2="59111" y2="78556"/>
+                        <a14:foregroundMark x1="62222" y1="49333" x2="57444" y2="50111"/>
+                        <a14:foregroundMark x1="56222" y1="49222" x2="52222" y2="43889"/>
+                        <a14:foregroundMark x1="56889" y1="50222" x2="32667" y2="76000"/>
+                        <a14:foregroundMark x1="32444" y1="80000" x2="14667" y2="56444"/>
+                        <a14:foregroundMark x1="9000" y1="97778" x2="11111" y2="97778"/>
+                        <a14:foregroundMark x1="10444" y1="83000" x2="13333" y2="83000"/>
+                        <a14:foregroundMark x1="11000" y1="91222" x2="11000" y2="91222"/>
+                        <a14:foregroundMark x1="10667" y1="91444" x2="10667" y2="91444"/>
+                        <a14:foregroundMark x1="10667" y1="91444" x2="10667" y2="86889"/>
+                        <a14:foregroundMark x1="12667" y1="81556" x2="12556" y2="73222"/>
+                        <a14:foregroundMark x1="66000" y1="80667" x2="75667" y2="71889"/>
+                        <a14:foregroundMark x1="75667" y1="71889" x2="78222" y2="67667"/>
+                        <a14:foregroundMark x1="79222" y1="69222" x2="84111" y2="58667"/>
+                        <a14:foregroundMark x1="86667" y1="57222" x2="90000" y2="50222"/>
+                        <a14:foregroundMark x1="91222" y1="48778" x2="93000" y2="46000"/>
+                        <a14:foregroundMark x1="92667" y1="45222" x2="94111" y2="39778"/>
+                        <a14:foregroundMark x1="95000" y1="39222" x2="90556" y2="40556"/>
+                        <a14:foregroundMark x1="63556" y1="88000" x2="77778" y2="70444"/>
+                        <a14:foregroundMark x1="72556" y1="72444" x2="72556" y2="72444"/>
+                        <a14:foregroundMark x1="72556" y1="72444" x2="72556" y2="72444"/>
+                        <a14:foregroundMark x1="72556" y1="72444" x2="72556" y2="72444"/>
+                        <a14:foregroundMark x1="74000" y1="64889" x2="77778" y2="57778"/>
+                        <a14:foregroundMark x1="75889" y1="61111" x2="79556" y2="52778"/>
+                        <a14:foregroundMark x1="78444" y1="56000" x2="75667" y2="52556"/>
+                        <a14:foregroundMark x1="10000" y1="98333" x2="11889" y2="88000"/>
+                        <a14:foregroundMark x1="11889" y1="88000" x2="11000" y2="94778"/>
+                        <a14:foregroundMark x1="79222" y1="72889" x2="69222" y2="91000"/>
+                        <a14:foregroundMark x1="69222" y1="91000" x2="69111" y2="92000"/>
+                        <a14:foregroundMark x1="17000" y1="49444" x2="12000" y2="34333"/>
+                        <a14:foregroundMark x1="12000" y1="34333" x2="7000" y2="28667"/>
+                        <a14:foregroundMark x1="7000" y1="28667" x2="778" y2="32333"/>
+                        <a14:foregroundMark x1="778" y1="32333" x2="9222" y2="63333"/>
+                        <a14:foregroundMark x1="9222" y1="63333" x2="12111" y2="70000"/>
+                        <a14:foregroundMark x1="12111" y1="70000" x2="20000" y2="45000"/>
+                        <a14:foregroundMark x1="20000" y1="45000" x2="30667" y2="32000"/>
+                        <a14:foregroundMark x1="30667" y1="32000" x2="46000" y2="28556"/>
+                        <a14:foregroundMark x1="46000" y1="28556" x2="52889" y2="28556"/>
+                        <a14:foregroundMark x1="52889" y1="28556" x2="57889" y2="30556"/>
+                        <a14:foregroundMark x1="58111" y1="30000" x2="64556" y2="33111"/>
+                        <a14:foregroundMark x1="64556" y1="33111" x2="74333" y2="45000"/>
+                        <a14:foregroundMark x1="74333" y1="45000" x2="77222" y2="53000"/>
+                        <a14:foregroundMark x1="80856" y1="49178" x2="88000" y2="41667"/>
+                        <a14:foregroundMark x1="77222" y1="53000" x2="79018" y2="51111"/>
+                        <a14:foregroundMark x1="88000" y1="41667" x2="95111" y2="39778"/>
+                        <a14:foregroundMark x1="95111" y1="39778" x2="95556" y2="39778"/>
+                        <a14:foregroundMark x1="74667" y1="77000" x2="76111" y2="99778"/>
+                        <a14:foregroundMark x1="75444" y1="81556" x2="78444" y2="79444"/>
+                        <a14:foregroundMark x1="86000" y1="71556" x2="86000" y2="71556"/>
+                        <a14:foregroundMark x1="86000" y1="71556" x2="86000" y2="71556"/>
+                        <a14:foregroundMark x1="86000" y1="71556" x2="86000" y2="71556"/>
+                        <a14:foregroundMark x1="84333" y1="72889" x2="86000" y2="69778"/>
+                        <a14:foregroundMark x1="85556" y1="71667" x2="87333" y2="68222"/>
+                        <a14:foregroundMark x1="87667" y1="67778" x2="89778" y2="63222"/>
+                        <a14:foregroundMark x1="90556" y1="62778" x2="93000" y2="55000"/>
+                        <a14:foregroundMark x1="93111" y1="57444" x2="95778" y2="50444"/>
+                        <a14:foregroundMark x1="73778" y1="42222" x2="73444" y2="41778"/>
+                        <a14:foregroundMark x1="72444" y1="41333" x2="70889" y2="39444"/>
+                        <a14:foregroundMark x1="94556" y1="39778" x2="98222" y2="40889"/>
+                        <a14:foregroundMark x1="23889" y1="53556" x2="25333" y2="46667"/>
+                        <a14:foregroundMark x1="25333" y1="46667" x2="38000" y2="38778"/>
+                        <a14:foregroundMark x1="38000" y1="38778" x2="50444" y2="41556"/>
+                        <a14:foregroundMark x1="50444" y1="41556" x2="60889" y2="52667"/>
+                        <a14:foregroundMark x1="60889" y1="52667" x2="66111" y2="69000"/>
+                        <a14:foregroundMark x1="66111" y1="69000" x2="63444" y2="83444"/>
+                        <a14:foregroundMark x1="63444" y1="83444" x2="55111" y2="89889"/>
+                        <a14:foregroundMark x1="55111" y1="89889" x2="38556" y2="94333"/>
+                        <a14:foregroundMark x1="22333" y1="78333" x2="17556" y2="93222"/>
+                        <a14:foregroundMark x1="17556" y1="93222" x2="17556" y2="95222"/>
+                        <a14:foregroundMark x1="14222" y1="97444" x2="34889" y2="94333"/>
+                        <a14:foregroundMark x1="49000" y1="94778" x2="70111" y2="93222"/>
+                        <a14:foregroundMark x1="70222" y1="81000" x2="70556" y2="57667"/>
+                        <a14:foregroundMark x1="70556" y1="57667" x2="63111" y2="45778"/>
+                        <a14:foregroundMark x1="63111" y1="45778" x2="57000" y2="40889"/>
+                        <a14:foregroundMark x1="57000" y1="40889" x2="25667" y2="38556"/>
+                        <a14:backgroundMark x1="79333" y1="51111" x2="79333" y2="51111"/>
+                        <a14:backgroundMark x1="79556" y1="50778" x2="79778" y2="49889"/>
+                        <a14:backgroundMark x1="79333" y1="51444" x2="79000" y2="48889"/>
+                        <a14:backgroundMark x1="79556" y1="50778" x2="79667" y2="49889"/>
+                        <a14:backgroundMark x1="79222" y1="51778" x2="79222" y2="50667"/>
+                        <a14:backgroundMark x1="78889" y1="51222" x2="81111" y2="48556"/>
+                      </a14:backgroundRemoval>
+                    </a14:imgEffect>
+                  </a14:imgLayer>
+                </a14:imgProps>
+              </a:ext>
+              <a:ext uri="{28A0092B-C50C-407E-A947-70E740481C1C}">
+                <a14:useLocalDpi xmlns:a14="http://schemas.microsoft.com/office/drawing/2010/main" val="0"/>
+              </a:ext>
+            </a:extLst>
+          </a:blip>
+          <a:srcRect/>
+          <a:stretch>
+            <a:fillRect/>
+          </a:stretch>
+        </p:blipFill>
+        <p:spPr bwMode="auto">
+          <a:xfrm>
+            <a:off x="1" y="2645546"/>
+            <a:ext cx="4212454" cy="4212454"/>
+          </a:xfrm>
+          <a:prstGeom prst="rect">
+            <a:avLst/>
+          </a:prstGeom>
+          <a:noFill/>
+          <a:extLst>
+            <a:ext uri="{909E8E84-426E-40DD-AFC4-6F175D3DCCD1}">
+              <a14:hiddenFill xmlns:a14="http://schemas.microsoft.com/office/drawing/2010/main">
+                <a:solidFill>
+                  <a:srgbClr val="FFFFFF"/>
+                </a:solidFill>
+              </a14:hiddenFill>
+            </a:ext>
+          </a:extLst>
+        </p:spPr>
+      </p:pic>
+    </p:spTree>
+    <p:extLst>
+      <p:ext uri="{BB962C8B-B14F-4D97-AF65-F5344CB8AC3E}">
+        <p14:creationId xmlns:p14="http://schemas.microsoft.com/office/powerpoint/2010/main" val="3320427702"/>
+      </p:ext>
+    </p:extLst>
+  </p:cSld>
+  <p:clrMapOvr>
+    <a:masterClrMapping/>
+  </p:clrMapOvr>
+</p:sld>
+</file>
+
+<file path=ppt/slides/slide5.xml><?xml version="1.0" encoding="utf-8"?>
+<p:sld xmlns:a="http://schemas.openxmlformats.org/drawingml/2006/main" xmlns:r="http://schemas.openxmlformats.org/officeDocument/2006/relationships" xmlns:p="http://schemas.openxmlformats.org/presentationml/2006/main">
+  <p:cSld>
+    <p:spTree>
+      <p:nvGrpSpPr>
+        <p:cNvPr id="1" name=""/>
+        <p:cNvGrpSpPr/>
+        <p:nvPr/>
+      </p:nvGrpSpPr>
+      <p:grpSpPr>
+        <a:xfrm>
+          <a:off x="0" y="0"/>
+          <a:ext cx="0" cy="0"/>
+          <a:chOff x="0" y="0"/>
+          <a:chExt cx="0" cy="0"/>
+        </a:xfrm>
+      </p:grpSpPr>
+      <p:sp>
+        <p:nvSpPr>
+          <p:cNvPr id="2" name="Заголовок 1">
+            <a:extLst>
+              <a:ext uri="{FF2B5EF4-FFF2-40B4-BE49-F238E27FC236}">
                 <a16:creationId xmlns:a16="http://schemas.microsoft.com/office/drawing/2014/main" id="{CE1F5CFB-8BFB-497C-B687-04BBBA3900D8}"/>
               </a:ext>
             </a:extLst>
@@ -3742,6 +4208,108 @@
     <p:extLst>
       <p:ext uri="{BB962C8B-B14F-4D97-AF65-F5344CB8AC3E}">
         <p14:creationId xmlns:p14="http://schemas.microsoft.com/office/powerpoint/2010/main" val="3217415353"/>
+      </p:ext>
+    </p:extLst>
+  </p:cSld>
+  <p:clrMapOvr>
+    <a:masterClrMapping/>
+  </p:clrMapOvr>
+</p:sld>
+</file>
+
+<file path=ppt/slides/slide6.xml><?xml version="1.0" encoding="utf-8"?>
+<p:sld xmlns:a="http://schemas.openxmlformats.org/drawingml/2006/main" xmlns:r="http://schemas.openxmlformats.org/officeDocument/2006/relationships" xmlns:p="http://schemas.openxmlformats.org/presentationml/2006/main">
+  <p:cSld>
+    <p:spTree>
+      <p:nvGrpSpPr>
+        <p:cNvPr id="1" name=""/>
+        <p:cNvGrpSpPr/>
+        <p:nvPr/>
+      </p:nvGrpSpPr>
+      <p:grpSpPr>
+        <a:xfrm>
+          <a:off x="0" y="0"/>
+          <a:ext cx="0" cy="0"/>
+          <a:chOff x="0" y="0"/>
+          <a:chExt cx="0" cy="0"/>
+        </a:xfrm>
+      </p:grpSpPr>
+      <p:sp>
+        <p:nvSpPr>
+          <p:cNvPr id="2" name="Заголовок 1">
+            <a:extLst>
+              <a:ext uri="{FF2B5EF4-FFF2-40B4-BE49-F238E27FC236}">
+                <a16:creationId xmlns:a16="http://schemas.microsoft.com/office/drawing/2014/main" id="{FD9FDD43-8DBA-451F-AB19-5B452E94F942}"/>
+              </a:ext>
+            </a:extLst>
+          </p:cNvPr>
+          <p:cNvSpPr>
+            <a:spLocks noGrp="1"/>
+          </p:cNvSpPr>
+          <p:nvPr>
+            <p:ph type="title"/>
+          </p:nvPr>
+        </p:nvSpPr>
+        <p:spPr/>
+        <p:txBody>
+          <a:bodyPr/>
+          <a:lstStyle/>
+          <a:p>
+            <a:r>
+              <a:rPr lang="ru-RU" dirty="0"/>
+              <a:t>Проблемы</a:t>
+            </a:r>
+          </a:p>
+        </p:txBody>
+      </p:sp>
+      <p:sp>
+        <p:nvSpPr>
+          <p:cNvPr id="3" name="Объект 2">
+            <a:extLst>
+              <a:ext uri="{FF2B5EF4-FFF2-40B4-BE49-F238E27FC236}">
+                <a16:creationId xmlns:a16="http://schemas.microsoft.com/office/drawing/2014/main" id="{8EE128D9-8448-4FFC-A322-66BB50ECF9EA}"/>
+              </a:ext>
+            </a:extLst>
+          </p:cNvPr>
+          <p:cNvSpPr>
+            <a:spLocks noGrp="1"/>
+          </p:cNvSpPr>
+          <p:nvPr>
+            <p:ph idx="1"/>
+          </p:nvPr>
+        </p:nvSpPr>
+        <p:spPr/>
+        <p:txBody>
+          <a:bodyPr/>
+          <a:lstStyle/>
+          <a:p>
+            <a:r>
+              <a:rPr lang="ru-RU" dirty="0"/>
+              <a:t>Одна из главных проблем этого приложения – локализация</a:t>
+            </a:r>
+            <a:r>
+              <a:rPr lang="en-US" dirty="0"/>
+              <a:t>.</a:t>
+            </a:r>
+            <a:r>
+              <a:rPr lang="ru-RU" dirty="0"/>
+              <a:t> Оно не способно работать с языками кроме английского и русского</a:t>
+            </a:r>
+            <a:r>
+              <a:rPr lang="en-US" dirty="0"/>
+              <a:t>.</a:t>
+            </a:r>
+            <a:r>
+              <a:rPr lang="ru-RU" dirty="0"/>
+              <a:t> Также проблемой является малый спектр возможностей редактирования текста</a:t>
+            </a:r>
+          </a:p>
+        </p:txBody>
+      </p:sp>
+    </p:spTree>
+    <p:extLst>
+      <p:ext uri="{BB962C8B-B14F-4D97-AF65-F5344CB8AC3E}">
+        <p14:creationId xmlns:p14="http://schemas.microsoft.com/office/powerpoint/2010/main" val="3030505082"/>
       </p:ext>
     </p:extLst>
   </p:cSld>

--- a/презентация.pptx
+++ b/презентация.pptx
@@ -11,6 +11,13 @@
     <p:sldId id="258" r:id="rId5"/>
     <p:sldId id="259" r:id="rId6"/>
     <p:sldId id="261" r:id="rId7"/>
+    <p:sldId id="263" r:id="rId8"/>
+    <p:sldId id="264" r:id="rId9"/>
+    <p:sldId id="265" r:id="rId10"/>
+    <p:sldId id="266" r:id="rId11"/>
+    <p:sldId id="267" r:id="rId12"/>
+    <p:sldId id="268" r:id="rId13"/>
+    <p:sldId id="269" r:id="rId14"/>
   </p:sldIdLst>
   <p:sldSz cx="12192000" cy="6858000"/>
   <p:notesSz cx="6858000" cy="9144000"/>
@@ -264,7 +271,7 @@
           <a:p>
             <a:fld id="{DD57899A-2EF4-485E-94ED-0B749045D18A}" type="datetimeFigureOut">
               <a:rPr lang="ru-RU" smtClean="0"/>
-              <a:t>04.11.2021</a:t>
+              <a:t>11.11.2021</a:t>
             </a:fld>
             <a:endParaRPr lang="ru-RU"/>
           </a:p>
@@ -462,7 +469,7 @@
           <a:p>
             <a:fld id="{DD57899A-2EF4-485E-94ED-0B749045D18A}" type="datetimeFigureOut">
               <a:rPr lang="ru-RU" smtClean="0"/>
-              <a:t>04.11.2021</a:t>
+              <a:t>11.11.2021</a:t>
             </a:fld>
             <a:endParaRPr lang="ru-RU"/>
           </a:p>
@@ -670,7 +677,7 @@
           <a:p>
             <a:fld id="{DD57899A-2EF4-485E-94ED-0B749045D18A}" type="datetimeFigureOut">
               <a:rPr lang="ru-RU" smtClean="0"/>
-              <a:t>04.11.2021</a:t>
+              <a:t>11.11.2021</a:t>
             </a:fld>
             <a:endParaRPr lang="ru-RU"/>
           </a:p>
@@ -868,7 +875,7 @@
           <a:p>
             <a:fld id="{DD57899A-2EF4-485E-94ED-0B749045D18A}" type="datetimeFigureOut">
               <a:rPr lang="ru-RU" smtClean="0"/>
-              <a:t>04.11.2021</a:t>
+              <a:t>11.11.2021</a:t>
             </a:fld>
             <a:endParaRPr lang="ru-RU"/>
           </a:p>
@@ -1143,7 +1150,7 @@
           <a:p>
             <a:fld id="{DD57899A-2EF4-485E-94ED-0B749045D18A}" type="datetimeFigureOut">
               <a:rPr lang="ru-RU" smtClean="0"/>
-              <a:t>04.11.2021</a:t>
+              <a:t>11.11.2021</a:t>
             </a:fld>
             <a:endParaRPr lang="ru-RU"/>
           </a:p>
@@ -1408,7 +1415,7 @@
           <a:p>
             <a:fld id="{DD57899A-2EF4-485E-94ED-0B749045D18A}" type="datetimeFigureOut">
               <a:rPr lang="ru-RU" smtClean="0"/>
-              <a:t>04.11.2021</a:t>
+              <a:t>11.11.2021</a:t>
             </a:fld>
             <a:endParaRPr lang="ru-RU"/>
           </a:p>
@@ -1820,7 +1827,7 @@
           <a:p>
             <a:fld id="{DD57899A-2EF4-485E-94ED-0B749045D18A}" type="datetimeFigureOut">
               <a:rPr lang="ru-RU" smtClean="0"/>
-              <a:t>04.11.2021</a:t>
+              <a:t>11.11.2021</a:t>
             </a:fld>
             <a:endParaRPr lang="ru-RU"/>
           </a:p>
@@ -1961,7 +1968,7 @@
           <a:p>
             <a:fld id="{DD57899A-2EF4-485E-94ED-0B749045D18A}" type="datetimeFigureOut">
               <a:rPr lang="ru-RU" smtClean="0"/>
-              <a:t>04.11.2021</a:t>
+              <a:t>11.11.2021</a:t>
             </a:fld>
             <a:endParaRPr lang="ru-RU"/>
           </a:p>
@@ -2074,7 +2081,7 @@
           <a:p>
             <a:fld id="{DD57899A-2EF4-485E-94ED-0B749045D18A}" type="datetimeFigureOut">
               <a:rPr lang="ru-RU" smtClean="0"/>
-              <a:t>04.11.2021</a:t>
+              <a:t>11.11.2021</a:t>
             </a:fld>
             <a:endParaRPr lang="ru-RU"/>
           </a:p>
@@ -2385,7 +2392,7 @@
           <a:p>
             <a:fld id="{DD57899A-2EF4-485E-94ED-0B749045D18A}" type="datetimeFigureOut">
               <a:rPr lang="ru-RU" smtClean="0"/>
-              <a:t>04.11.2021</a:t>
+              <a:t>11.11.2021</a:t>
             </a:fld>
             <a:endParaRPr lang="ru-RU"/>
           </a:p>
@@ -2673,7 +2680,7 @@
           <a:p>
             <a:fld id="{DD57899A-2EF4-485E-94ED-0B749045D18A}" type="datetimeFigureOut">
               <a:rPr lang="ru-RU" smtClean="0"/>
-              <a:t>04.11.2021</a:t>
+              <a:t>11.11.2021</a:t>
             </a:fld>
             <a:endParaRPr lang="ru-RU"/>
           </a:p>
@@ -2917,7 +2924,7 @@
           <a:p>
             <a:fld id="{DD57899A-2EF4-485E-94ED-0B749045D18A}" type="datetimeFigureOut">
               <a:rPr lang="ru-RU" smtClean="0"/>
-              <a:t>04.11.2021</a:t>
+              <a:t>11.11.2021</a:t>
             </a:fld>
             <a:endParaRPr lang="ru-RU"/>
           </a:p>
@@ -3479,6 +3486,598 @@
 </p:sld>
 </file>
 
+<file path=ppt/slides/slide10.xml><?xml version="1.0" encoding="utf-8"?>
+<p:sld xmlns:a="http://schemas.openxmlformats.org/drawingml/2006/main" xmlns:r="http://schemas.openxmlformats.org/officeDocument/2006/relationships" xmlns:p="http://schemas.openxmlformats.org/presentationml/2006/main">
+  <p:cSld>
+    <p:spTree>
+      <p:nvGrpSpPr>
+        <p:cNvPr id="1" name=""/>
+        <p:cNvGrpSpPr/>
+        <p:nvPr/>
+      </p:nvGrpSpPr>
+      <p:grpSpPr>
+        <a:xfrm>
+          <a:off x="0" y="0"/>
+          <a:ext cx="0" cy="0"/>
+          <a:chOff x="0" y="0"/>
+          <a:chExt cx="0" cy="0"/>
+        </a:xfrm>
+      </p:grpSpPr>
+      <p:sp>
+        <p:nvSpPr>
+          <p:cNvPr id="2" name="Заголовок 1">
+            <a:extLst>
+              <a:ext uri="{FF2B5EF4-FFF2-40B4-BE49-F238E27FC236}">
+                <a16:creationId xmlns:a16="http://schemas.microsoft.com/office/drawing/2014/main" id="{CCDF34EB-E204-45DB-9271-36830628AC57}"/>
+              </a:ext>
+            </a:extLst>
+          </p:cNvPr>
+          <p:cNvSpPr>
+            <a:spLocks noGrp="1"/>
+          </p:cNvSpPr>
+          <p:nvPr>
+            <p:ph type="title"/>
+          </p:nvPr>
+        </p:nvSpPr>
+        <p:spPr/>
+        <p:txBody>
+          <a:bodyPr/>
+          <a:lstStyle/>
+          <a:p>
+            <a:r>
+              <a:rPr lang="ru-RU" dirty="0"/>
+              <a:t>Редактирование текста</a:t>
+            </a:r>
+            <a:r>
+              <a:rPr lang="en-US" dirty="0"/>
+              <a:t>, </a:t>
+            </a:r>
+            <a:r>
+              <a:rPr lang="ru-RU" dirty="0"/>
+              <a:t>1 вкладка</a:t>
+            </a:r>
+          </a:p>
+        </p:txBody>
+      </p:sp>
+      <p:sp>
+        <p:nvSpPr>
+          <p:cNvPr id="7" name="Объект 6">
+            <a:extLst>
+              <a:ext uri="{FF2B5EF4-FFF2-40B4-BE49-F238E27FC236}">
+                <a16:creationId xmlns:a16="http://schemas.microsoft.com/office/drawing/2014/main" id="{7B80975D-B49E-441D-9026-1D827990723F}"/>
+              </a:ext>
+            </a:extLst>
+          </p:cNvPr>
+          <p:cNvSpPr>
+            <a:spLocks noGrp="1"/>
+          </p:cNvSpPr>
+          <p:nvPr>
+            <p:ph idx="1"/>
+          </p:nvPr>
+        </p:nvSpPr>
+        <p:spPr>
+          <a:xfrm>
+            <a:off x="838200" y="1825625"/>
+            <a:ext cx="5105399" cy="4351338"/>
+          </a:xfrm>
+        </p:spPr>
+        <p:txBody>
+          <a:bodyPr/>
+          <a:lstStyle/>
+          <a:p>
+            <a:r>
+              <a:rPr lang="ru-RU" dirty="0"/>
+              <a:t>В первой вкладке редактирования текста вы можете изменить его цвет</a:t>
+            </a:r>
+            <a:r>
+              <a:rPr lang="en-US" dirty="0"/>
+              <a:t>, </a:t>
+            </a:r>
+            <a:r>
+              <a:rPr lang="ru-RU" dirty="0"/>
+              <a:t>расположение(</a:t>
+            </a:r>
+            <a:r>
+              <a:rPr lang="en-US" dirty="0"/>
+              <a:t>x, y</a:t>
+            </a:r>
+            <a:r>
+              <a:rPr lang="ru-RU" dirty="0"/>
+              <a:t>)</a:t>
+            </a:r>
+            <a:r>
+              <a:rPr lang="en-US" dirty="0"/>
+              <a:t>, </a:t>
+            </a:r>
+            <a:r>
+              <a:rPr lang="ru-RU" dirty="0"/>
+              <a:t>и сам текст</a:t>
+            </a:r>
+            <a:r>
+              <a:rPr lang="en-US" dirty="0"/>
+              <a:t>.</a:t>
+            </a:r>
+            <a:endParaRPr lang="ru-RU" dirty="0"/>
+          </a:p>
+        </p:txBody>
+      </p:sp>
+      <p:pic>
+        <p:nvPicPr>
+          <p:cNvPr id="8" name="Объект 4">
+            <a:extLst>
+              <a:ext uri="{FF2B5EF4-FFF2-40B4-BE49-F238E27FC236}">
+                <a16:creationId xmlns:a16="http://schemas.microsoft.com/office/drawing/2014/main" id="{C99CF02D-0F70-4091-9F71-5F236700BDE5}"/>
+              </a:ext>
+            </a:extLst>
+          </p:cNvPr>
+          <p:cNvPicPr>
+            <a:picLocks noChangeAspect="1"/>
+          </p:cNvPicPr>
+          <p:nvPr/>
+        </p:nvPicPr>
+        <p:blipFill rotWithShape="1">
+          <a:blip r:embed="rId2">
+            <a:extLst>
+              <a:ext uri="{28A0092B-C50C-407E-A947-70E740481C1C}">
+                <a14:useLocalDpi xmlns:a14="http://schemas.microsoft.com/office/drawing/2010/main" val="0"/>
+              </a:ext>
+            </a:extLst>
+          </a:blip>
+          <a:srcRect l="25251" t="13863" r="23773" b="18935"/>
+          <a:stretch/>
+        </p:blipFill>
+        <p:spPr>
+          <a:xfrm>
+            <a:off x="5943599" y="1825625"/>
+            <a:ext cx="5859366" cy="4344988"/>
+          </a:xfrm>
+          <a:prstGeom prst="rect">
+            <a:avLst/>
+          </a:prstGeom>
+        </p:spPr>
+      </p:pic>
+    </p:spTree>
+    <p:extLst>
+      <p:ext uri="{BB962C8B-B14F-4D97-AF65-F5344CB8AC3E}">
+        <p14:creationId xmlns:p14="http://schemas.microsoft.com/office/powerpoint/2010/main" val="212085523"/>
+      </p:ext>
+    </p:extLst>
+  </p:cSld>
+  <p:clrMapOvr>
+    <a:masterClrMapping/>
+  </p:clrMapOvr>
+</p:sld>
+</file>
+
+<file path=ppt/slides/slide11.xml><?xml version="1.0" encoding="utf-8"?>
+<p:sld xmlns:a="http://schemas.openxmlformats.org/drawingml/2006/main" xmlns:r="http://schemas.openxmlformats.org/officeDocument/2006/relationships" xmlns:p="http://schemas.openxmlformats.org/presentationml/2006/main">
+  <p:cSld>
+    <p:spTree>
+      <p:nvGrpSpPr>
+        <p:cNvPr id="1" name=""/>
+        <p:cNvGrpSpPr/>
+        <p:nvPr/>
+      </p:nvGrpSpPr>
+      <p:grpSpPr>
+        <a:xfrm>
+          <a:off x="0" y="0"/>
+          <a:ext cx="0" cy="0"/>
+          <a:chOff x="0" y="0"/>
+          <a:chExt cx="0" cy="0"/>
+        </a:xfrm>
+      </p:grpSpPr>
+      <p:sp>
+        <p:nvSpPr>
+          <p:cNvPr id="2" name="Заголовок 1">
+            <a:extLst>
+              <a:ext uri="{FF2B5EF4-FFF2-40B4-BE49-F238E27FC236}">
+                <a16:creationId xmlns:a16="http://schemas.microsoft.com/office/drawing/2014/main" id="{BA62A8CD-84D9-449F-A2B3-4174352862BD}"/>
+              </a:ext>
+            </a:extLst>
+          </p:cNvPr>
+          <p:cNvSpPr>
+            <a:spLocks noGrp="1"/>
+          </p:cNvSpPr>
+          <p:nvPr>
+            <p:ph type="title"/>
+          </p:nvPr>
+        </p:nvSpPr>
+        <p:spPr/>
+        <p:txBody>
+          <a:bodyPr/>
+          <a:lstStyle/>
+          <a:p>
+            <a:r>
+              <a:rPr lang="ru-RU" dirty="0"/>
+              <a:t>Редактирование текста</a:t>
+            </a:r>
+            <a:r>
+              <a:rPr lang="en-US" dirty="0"/>
+              <a:t>, </a:t>
+            </a:r>
+            <a:r>
+              <a:rPr lang="ru-RU" dirty="0"/>
+              <a:t>2 вкладка</a:t>
+            </a:r>
+          </a:p>
+        </p:txBody>
+      </p:sp>
+      <p:sp>
+        <p:nvSpPr>
+          <p:cNvPr id="3" name="Объект 2">
+            <a:extLst>
+              <a:ext uri="{FF2B5EF4-FFF2-40B4-BE49-F238E27FC236}">
+                <a16:creationId xmlns:a16="http://schemas.microsoft.com/office/drawing/2014/main" id="{FD87AD55-98C8-4122-892A-B52E385CD2F9}"/>
+              </a:ext>
+            </a:extLst>
+          </p:cNvPr>
+          <p:cNvSpPr>
+            <a:spLocks noGrp="1"/>
+          </p:cNvSpPr>
+          <p:nvPr>
+            <p:ph idx="1"/>
+          </p:nvPr>
+        </p:nvSpPr>
+        <p:spPr>
+          <a:xfrm>
+            <a:off x="838200" y="1825625"/>
+            <a:ext cx="4176025" cy="4351338"/>
+          </a:xfrm>
+        </p:spPr>
+        <p:txBody>
+          <a:bodyPr/>
+          <a:lstStyle/>
+          <a:p>
+            <a:r>
+              <a:rPr lang="ru-RU" dirty="0"/>
+              <a:t>Во 2 вкладке можно редактировать размер и начертание шрифта</a:t>
+            </a:r>
+            <a:r>
+              <a:rPr lang="en-US" dirty="0"/>
+              <a:t>. </a:t>
+            </a:r>
+            <a:r>
+              <a:rPr lang="ru-RU" dirty="0"/>
+              <a:t>Можно выбрать свой </a:t>
+            </a:r>
+            <a:r>
+              <a:rPr lang="en-US" dirty="0" err="1"/>
+              <a:t>ttf</a:t>
+            </a:r>
+            <a:r>
+              <a:rPr lang="en-US" dirty="0"/>
+              <a:t> </a:t>
+            </a:r>
+            <a:r>
+              <a:rPr lang="ru-RU" dirty="0"/>
+              <a:t>шрифт</a:t>
+            </a:r>
+            <a:r>
+              <a:rPr lang="en-US" dirty="0"/>
+              <a:t>. </a:t>
+            </a:r>
+            <a:r>
+              <a:rPr lang="ru-RU" dirty="0"/>
+              <a:t>Или же выбрать один из встроенных</a:t>
+            </a:r>
+            <a:r>
+              <a:rPr lang="en-US" dirty="0"/>
+              <a:t>.</a:t>
+            </a:r>
+            <a:endParaRPr lang="ru-RU" dirty="0"/>
+          </a:p>
+        </p:txBody>
+      </p:sp>
+      <p:pic>
+        <p:nvPicPr>
+          <p:cNvPr id="5" name="Рисунок 4">
+            <a:extLst>
+              <a:ext uri="{FF2B5EF4-FFF2-40B4-BE49-F238E27FC236}">
+                <a16:creationId xmlns:a16="http://schemas.microsoft.com/office/drawing/2014/main" id="{9FF44210-0D31-4B47-A9F7-2522C56A0B95}"/>
+              </a:ext>
+            </a:extLst>
+          </p:cNvPr>
+          <p:cNvPicPr>
+            <a:picLocks noChangeAspect="1"/>
+          </p:cNvPicPr>
+          <p:nvPr/>
+        </p:nvPicPr>
+        <p:blipFill rotWithShape="1">
+          <a:blip r:embed="rId2"/>
+          <a:srcRect l="1619" t="10650" r="23927" b="9109"/>
+          <a:stretch/>
+        </p:blipFill>
+        <p:spPr>
+          <a:xfrm>
+            <a:off x="5014225" y="1844675"/>
+            <a:ext cx="7177775" cy="4351338"/>
+          </a:xfrm>
+          <a:prstGeom prst="rect">
+            <a:avLst/>
+          </a:prstGeom>
+        </p:spPr>
+      </p:pic>
+    </p:spTree>
+    <p:extLst>
+      <p:ext uri="{BB962C8B-B14F-4D97-AF65-F5344CB8AC3E}">
+        <p14:creationId xmlns:p14="http://schemas.microsoft.com/office/powerpoint/2010/main" val="1949361132"/>
+      </p:ext>
+    </p:extLst>
+  </p:cSld>
+  <p:clrMapOvr>
+    <a:masterClrMapping/>
+  </p:clrMapOvr>
+</p:sld>
+</file>
+
+<file path=ppt/slides/slide12.xml><?xml version="1.0" encoding="utf-8"?>
+<p:sld xmlns:a="http://schemas.openxmlformats.org/drawingml/2006/main" xmlns:r="http://schemas.openxmlformats.org/officeDocument/2006/relationships" xmlns:p="http://schemas.openxmlformats.org/presentationml/2006/main">
+  <p:cSld>
+    <p:spTree>
+      <p:nvGrpSpPr>
+        <p:cNvPr id="1" name=""/>
+        <p:cNvGrpSpPr/>
+        <p:nvPr/>
+      </p:nvGrpSpPr>
+      <p:grpSpPr>
+        <a:xfrm>
+          <a:off x="0" y="0"/>
+          <a:ext cx="0" cy="0"/>
+          <a:chOff x="0" y="0"/>
+          <a:chExt cx="0" cy="0"/>
+        </a:xfrm>
+      </p:grpSpPr>
+      <p:sp>
+        <p:nvSpPr>
+          <p:cNvPr id="2" name="Заголовок 1">
+            <a:extLst>
+              <a:ext uri="{FF2B5EF4-FFF2-40B4-BE49-F238E27FC236}">
+                <a16:creationId xmlns:a16="http://schemas.microsoft.com/office/drawing/2014/main" id="{20937243-57CE-46DF-8D93-EB790FB499FB}"/>
+              </a:ext>
+            </a:extLst>
+          </p:cNvPr>
+          <p:cNvSpPr>
+            <a:spLocks noGrp="1"/>
+          </p:cNvSpPr>
+          <p:nvPr>
+            <p:ph type="title"/>
+          </p:nvPr>
+        </p:nvSpPr>
+        <p:spPr/>
+        <p:txBody>
+          <a:bodyPr/>
+          <a:lstStyle/>
+          <a:p>
+            <a:r>
+              <a:rPr lang="ru-RU" dirty="0"/>
+              <a:t>Со своей картинкой</a:t>
+            </a:r>
+          </a:p>
+        </p:txBody>
+      </p:sp>
+      <p:sp>
+        <p:nvSpPr>
+          <p:cNvPr id="3" name="Объект 2">
+            <a:extLst>
+              <a:ext uri="{FF2B5EF4-FFF2-40B4-BE49-F238E27FC236}">
+                <a16:creationId xmlns:a16="http://schemas.microsoft.com/office/drawing/2014/main" id="{9C87ADF2-1F84-4CBE-AC97-AB32B3A019AC}"/>
+              </a:ext>
+            </a:extLst>
+          </p:cNvPr>
+          <p:cNvSpPr>
+            <a:spLocks noGrp="1"/>
+          </p:cNvSpPr>
+          <p:nvPr>
+            <p:ph idx="1"/>
+          </p:nvPr>
+        </p:nvSpPr>
+        <p:spPr>
+          <a:xfrm>
+            <a:off x="838200" y="1825625"/>
+            <a:ext cx="5076824" cy="4351338"/>
+          </a:xfrm>
+        </p:spPr>
+        <p:txBody>
+          <a:bodyPr/>
+          <a:lstStyle/>
+          <a:p>
+            <a:r>
+              <a:rPr lang="ru-RU" dirty="0"/>
+              <a:t>Единственное отличие от шаблона в том</a:t>
+            </a:r>
+            <a:r>
+              <a:rPr lang="en-US" dirty="0"/>
+              <a:t>, </a:t>
+            </a:r>
+            <a:r>
+              <a:rPr lang="ru-RU" dirty="0"/>
+              <a:t>что перед работой нужно выбрать свою картинку с компьютера</a:t>
+            </a:r>
+          </a:p>
+        </p:txBody>
+      </p:sp>
+      <p:pic>
+        <p:nvPicPr>
+          <p:cNvPr id="5" name="Рисунок 4">
+            <a:extLst>
+              <a:ext uri="{FF2B5EF4-FFF2-40B4-BE49-F238E27FC236}">
+                <a16:creationId xmlns:a16="http://schemas.microsoft.com/office/drawing/2014/main" id="{9D628127-C9B4-4AD9-96B0-9EFBDAA6DBF3}"/>
+              </a:ext>
+            </a:extLst>
+          </p:cNvPr>
+          <p:cNvPicPr>
+            <a:picLocks noChangeAspect="1"/>
+          </p:cNvPicPr>
+          <p:nvPr/>
+        </p:nvPicPr>
+        <p:blipFill rotWithShape="1">
+          <a:blip r:embed="rId2">
+            <a:extLst>
+              <a:ext uri="{28A0092B-C50C-407E-A947-70E740481C1C}">
+                <a14:useLocalDpi xmlns:a14="http://schemas.microsoft.com/office/drawing/2010/main" val="0"/>
+              </a:ext>
+            </a:extLst>
+          </a:blip>
+          <a:srcRect l="24766" t="13611" r="25156" b="21389"/>
+          <a:stretch/>
+        </p:blipFill>
+        <p:spPr>
+          <a:xfrm>
+            <a:off x="5915024" y="1690688"/>
+            <a:ext cx="6105525" cy="4457700"/>
+          </a:xfrm>
+          <a:prstGeom prst="rect">
+            <a:avLst/>
+          </a:prstGeom>
+        </p:spPr>
+      </p:pic>
+    </p:spTree>
+    <p:extLst>
+      <p:ext uri="{BB962C8B-B14F-4D97-AF65-F5344CB8AC3E}">
+        <p14:creationId xmlns:p14="http://schemas.microsoft.com/office/powerpoint/2010/main" val="2338544332"/>
+      </p:ext>
+    </p:extLst>
+  </p:cSld>
+  <p:clrMapOvr>
+    <a:masterClrMapping/>
+  </p:clrMapOvr>
+</p:sld>
+</file>
+
+<file path=ppt/slides/slide13.xml><?xml version="1.0" encoding="utf-8"?>
+<p:sld xmlns:a="http://schemas.openxmlformats.org/drawingml/2006/main" xmlns:r="http://schemas.openxmlformats.org/officeDocument/2006/relationships" xmlns:p="http://schemas.openxmlformats.org/presentationml/2006/main">
+  <p:cSld>
+    <p:spTree>
+      <p:nvGrpSpPr>
+        <p:cNvPr id="1" name=""/>
+        <p:cNvGrpSpPr/>
+        <p:nvPr/>
+      </p:nvGrpSpPr>
+      <p:grpSpPr>
+        <a:xfrm>
+          <a:off x="0" y="0"/>
+          <a:ext cx="0" cy="0"/>
+          <a:chOff x="0" y="0"/>
+          <a:chExt cx="0" cy="0"/>
+        </a:xfrm>
+      </p:grpSpPr>
+      <p:sp>
+        <p:nvSpPr>
+          <p:cNvPr id="2" name="Заголовок 1">
+            <a:extLst>
+              <a:ext uri="{FF2B5EF4-FFF2-40B4-BE49-F238E27FC236}">
+                <a16:creationId xmlns:a16="http://schemas.microsoft.com/office/drawing/2014/main" id="{B71B2674-87F4-4955-B788-602364CC385E}"/>
+              </a:ext>
+            </a:extLst>
+          </p:cNvPr>
+          <p:cNvSpPr>
+            <a:spLocks noGrp="1"/>
+          </p:cNvSpPr>
+          <p:nvPr>
+            <p:ph type="title"/>
+          </p:nvPr>
+        </p:nvSpPr>
+        <p:spPr/>
+        <p:txBody>
+          <a:bodyPr/>
+          <a:lstStyle/>
+          <a:p>
+            <a:r>
+              <a:rPr lang="ru-RU" dirty="0"/>
+              <a:t>Недавние</a:t>
+            </a:r>
+          </a:p>
+        </p:txBody>
+      </p:sp>
+      <p:sp>
+        <p:nvSpPr>
+          <p:cNvPr id="3" name="Объект 2">
+            <a:extLst>
+              <a:ext uri="{FF2B5EF4-FFF2-40B4-BE49-F238E27FC236}">
+                <a16:creationId xmlns:a16="http://schemas.microsoft.com/office/drawing/2014/main" id="{8B123428-481B-423D-A2A8-4C67F5CBE4C7}"/>
+              </a:ext>
+            </a:extLst>
+          </p:cNvPr>
+          <p:cNvSpPr>
+            <a:spLocks noGrp="1"/>
+          </p:cNvSpPr>
+          <p:nvPr>
+            <p:ph idx="1"/>
+          </p:nvPr>
+        </p:nvSpPr>
+        <p:spPr/>
+        <p:txBody>
+          <a:bodyPr/>
+          <a:lstStyle/>
+          <a:p>
+            <a:r>
+              <a:rPr lang="ru-RU" dirty="0"/>
+              <a:t>В этом разделе можно продолжить работу с недавними экспортированными картинками</a:t>
+            </a:r>
+            <a:r>
+              <a:rPr lang="en-US" dirty="0"/>
+              <a:t>. </a:t>
+            </a:r>
+            <a:r>
+              <a:rPr lang="ru-RU" dirty="0"/>
+              <a:t>Её нужно выбрать из списка двойным кликом</a:t>
+            </a:r>
+            <a:r>
+              <a:rPr lang="en-US" dirty="0"/>
+              <a:t>. </a:t>
+            </a:r>
+            <a:endParaRPr lang="ru-RU" dirty="0"/>
+          </a:p>
+        </p:txBody>
+      </p:sp>
+      <p:pic>
+        <p:nvPicPr>
+          <p:cNvPr id="5" name="Рисунок 4">
+            <a:extLst>
+              <a:ext uri="{FF2B5EF4-FFF2-40B4-BE49-F238E27FC236}">
+                <a16:creationId xmlns:a16="http://schemas.microsoft.com/office/drawing/2014/main" id="{2ACE6DC1-FC14-4F31-BC9A-069D91CD97F7}"/>
+              </a:ext>
+            </a:extLst>
+          </p:cNvPr>
+          <p:cNvPicPr>
+            <a:picLocks noChangeAspect="1"/>
+          </p:cNvPicPr>
+          <p:nvPr/>
+        </p:nvPicPr>
+        <p:blipFill rotWithShape="1">
+          <a:blip r:embed="rId2">
+            <a:extLst>
+              <a:ext uri="{28A0092B-C50C-407E-A947-70E740481C1C}">
+                <a14:useLocalDpi xmlns:a14="http://schemas.microsoft.com/office/drawing/2010/main" val="0"/>
+              </a:ext>
+            </a:extLst>
+          </a:blip>
+          <a:srcRect l="20973" t="26218" r="20974" b="33376"/>
+          <a:stretch/>
+        </p:blipFill>
+        <p:spPr>
+          <a:xfrm>
+            <a:off x="1000124" y="3555999"/>
+            <a:ext cx="7038975" cy="2755901"/>
+          </a:xfrm>
+          <a:prstGeom prst="rect">
+            <a:avLst/>
+          </a:prstGeom>
+        </p:spPr>
+      </p:pic>
+    </p:spTree>
+    <p:extLst>
+      <p:ext uri="{BB962C8B-B14F-4D97-AF65-F5344CB8AC3E}">
+        <p14:creationId xmlns:p14="http://schemas.microsoft.com/office/powerpoint/2010/main" val="1223802089"/>
+      </p:ext>
+    </p:extLst>
+  </p:cSld>
+  <p:clrMapOvr>
+    <a:masterClrMapping/>
+  </p:clrMapOvr>
+</p:sld>
+</file>
+
 <file path=ppt/slides/slide2.xml><?xml version="1.0" encoding="utf-8"?>
 <p:sld xmlns:a="http://schemas.openxmlformats.org/drawingml/2006/main" xmlns:r="http://schemas.openxmlformats.org/officeDocument/2006/relationships" xmlns:p="http://schemas.openxmlformats.org/presentationml/2006/main">
   <p:cSld>
@@ -4310,6 +4909,514 @@
     <p:extLst>
       <p:ext uri="{BB962C8B-B14F-4D97-AF65-F5344CB8AC3E}">
         <p14:creationId xmlns:p14="http://schemas.microsoft.com/office/powerpoint/2010/main" val="3030505082"/>
+      </p:ext>
+    </p:extLst>
+  </p:cSld>
+  <p:clrMapOvr>
+    <a:masterClrMapping/>
+  </p:clrMapOvr>
+</p:sld>
+</file>
+
+<file path=ppt/slides/slide7.xml><?xml version="1.0" encoding="utf-8"?>
+<p:sld xmlns:a="http://schemas.openxmlformats.org/drawingml/2006/main" xmlns:r="http://schemas.openxmlformats.org/officeDocument/2006/relationships" xmlns:p="http://schemas.openxmlformats.org/presentationml/2006/main">
+  <p:cSld>
+    <p:spTree>
+      <p:nvGrpSpPr>
+        <p:cNvPr id="1" name=""/>
+        <p:cNvGrpSpPr/>
+        <p:nvPr/>
+      </p:nvGrpSpPr>
+      <p:grpSpPr>
+        <a:xfrm>
+          <a:off x="0" y="0"/>
+          <a:ext cx="0" cy="0"/>
+          <a:chOff x="0" y="0"/>
+          <a:chExt cx="0" cy="0"/>
+        </a:xfrm>
+      </p:grpSpPr>
+      <p:sp>
+        <p:nvSpPr>
+          <p:cNvPr id="2" name="Заголовок 1">
+            <a:extLst>
+              <a:ext uri="{FF2B5EF4-FFF2-40B4-BE49-F238E27FC236}">
+                <a16:creationId xmlns:a16="http://schemas.microsoft.com/office/drawing/2014/main" id="{D0BDAD83-11EF-4B9B-9117-428BF9988D86}"/>
+              </a:ext>
+            </a:extLst>
+          </p:cNvPr>
+          <p:cNvSpPr>
+            <a:spLocks noGrp="1"/>
+          </p:cNvSpPr>
+          <p:nvPr>
+            <p:ph type="title"/>
+          </p:nvPr>
+        </p:nvSpPr>
+        <p:spPr/>
+        <p:txBody>
+          <a:bodyPr/>
+          <a:lstStyle/>
+          <a:p>
+            <a:r>
+              <a:rPr lang="ru-RU" dirty="0"/>
+              <a:t>Главное меню</a:t>
+            </a:r>
+          </a:p>
+        </p:txBody>
+      </p:sp>
+      <p:sp>
+        <p:nvSpPr>
+          <p:cNvPr id="3" name="Объект 2">
+            <a:extLst>
+              <a:ext uri="{FF2B5EF4-FFF2-40B4-BE49-F238E27FC236}">
+                <a16:creationId xmlns:a16="http://schemas.microsoft.com/office/drawing/2014/main" id="{24EF2C92-B9D7-4AB3-A845-5A428A1CCF98}"/>
+              </a:ext>
+            </a:extLst>
+          </p:cNvPr>
+          <p:cNvSpPr>
+            <a:spLocks noGrp="1"/>
+          </p:cNvSpPr>
+          <p:nvPr>
+            <p:ph idx="1"/>
+          </p:nvPr>
+        </p:nvSpPr>
+        <p:spPr>
+          <a:xfrm>
+            <a:off x="838200" y="1825625"/>
+            <a:ext cx="5381625" cy="4351338"/>
+          </a:xfrm>
+        </p:spPr>
+        <p:txBody>
+          <a:bodyPr/>
+          <a:lstStyle/>
+          <a:p>
+            <a:r>
+              <a:rPr lang="ru-RU" dirty="0"/>
+              <a:t>В главном меню есть 3 кнопки</a:t>
+            </a:r>
+            <a:r>
+              <a:rPr lang="en-US" dirty="0"/>
+              <a:t>:</a:t>
+            </a:r>
+          </a:p>
+          <a:p>
+            <a:pPr lvl="1"/>
+            <a:r>
+              <a:rPr lang="ru-RU" dirty="0"/>
+              <a:t>Создание по шаблону( на выбор будут даны шаблоны</a:t>
+            </a:r>
+            <a:r>
+              <a:rPr lang="en-US" dirty="0"/>
+              <a:t>, </a:t>
+            </a:r>
+            <a:r>
+              <a:rPr lang="ru-RU" dirty="0"/>
+              <a:t>на основе которых предлагается создать мем)</a:t>
+            </a:r>
+          </a:p>
+          <a:p>
+            <a:pPr lvl="1"/>
+            <a:r>
+              <a:rPr lang="ru-RU" dirty="0"/>
+              <a:t>Со своей картинкой( нужно загрузить вашу картинку)</a:t>
+            </a:r>
+          </a:p>
+          <a:p>
+            <a:pPr lvl="1"/>
+            <a:r>
+              <a:rPr lang="ru-RU" dirty="0"/>
+              <a:t>Недавние( вы можете продолжить работу над недавними мемами)</a:t>
+            </a:r>
+          </a:p>
+        </p:txBody>
+      </p:sp>
+      <p:pic>
+        <p:nvPicPr>
+          <p:cNvPr id="6" name="Объект 4">
+            <a:extLst>
+              <a:ext uri="{FF2B5EF4-FFF2-40B4-BE49-F238E27FC236}">
+                <a16:creationId xmlns:a16="http://schemas.microsoft.com/office/drawing/2014/main" id="{7EF87BAD-C4C5-4891-8601-D8A4C282AC75}"/>
+              </a:ext>
+            </a:extLst>
+          </p:cNvPr>
+          <p:cNvPicPr>
+            <a:picLocks noChangeAspect="1"/>
+          </p:cNvPicPr>
+          <p:nvPr/>
+        </p:nvPicPr>
+        <p:blipFill rotWithShape="1">
+          <a:blip r:embed="rId2">
+            <a:extLst>
+              <a:ext uri="{28A0092B-C50C-407E-A947-70E740481C1C}">
+                <a14:useLocalDpi xmlns:a14="http://schemas.microsoft.com/office/drawing/2010/main" val="0"/>
+              </a:ext>
+            </a:extLst>
+          </a:blip>
+          <a:srcRect l="29191" t="16490" r="28945" b="24188"/>
+          <a:stretch/>
+        </p:blipFill>
+        <p:spPr>
+          <a:xfrm>
+            <a:off x="6305550" y="1827810"/>
+            <a:ext cx="5924550" cy="4722215"/>
+          </a:xfrm>
+          <a:prstGeom prst="rect">
+            <a:avLst/>
+          </a:prstGeom>
+        </p:spPr>
+      </p:pic>
+    </p:spTree>
+    <p:extLst>
+      <p:ext uri="{BB962C8B-B14F-4D97-AF65-F5344CB8AC3E}">
+        <p14:creationId xmlns:p14="http://schemas.microsoft.com/office/powerpoint/2010/main" val="2963876384"/>
+      </p:ext>
+    </p:extLst>
+  </p:cSld>
+  <p:clrMapOvr>
+    <a:masterClrMapping/>
+  </p:clrMapOvr>
+</p:sld>
+</file>
+
+<file path=ppt/slides/slide8.xml><?xml version="1.0" encoding="utf-8"?>
+<p:sld xmlns:a="http://schemas.openxmlformats.org/drawingml/2006/main" xmlns:r="http://schemas.openxmlformats.org/officeDocument/2006/relationships" xmlns:p="http://schemas.openxmlformats.org/presentationml/2006/main">
+  <p:cSld>
+    <p:spTree>
+      <p:nvGrpSpPr>
+        <p:cNvPr id="1" name=""/>
+        <p:cNvGrpSpPr/>
+        <p:nvPr/>
+      </p:nvGrpSpPr>
+      <p:grpSpPr>
+        <a:xfrm>
+          <a:off x="0" y="0"/>
+          <a:ext cx="0" cy="0"/>
+          <a:chOff x="0" y="0"/>
+          <a:chExt cx="0" cy="0"/>
+        </a:xfrm>
+      </p:grpSpPr>
+      <p:sp>
+        <p:nvSpPr>
+          <p:cNvPr id="2" name="Заголовок 1">
+            <a:extLst>
+              <a:ext uri="{FF2B5EF4-FFF2-40B4-BE49-F238E27FC236}">
+                <a16:creationId xmlns:a16="http://schemas.microsoft.com/office/drawing/2014/main" id="{6C3F940C-DB27-45F6-8668-B7B27C506621}"/>
+              </a:ext>
+            </a:extLst>
+          </p:cNvPr>
+          <p:cNvSpPr>
+            <a:spLocks noGrp="1"/>
+          </p:cNvSpPr>
+          <p:nvPr>
+            <p:ph type="title"/>
+          </p:nvPr>
+        </p:nvSpPr>
+        <p:spPr/>
+        <p:txBody>
+          <a:bodyPr/>
+          <a:lstStyle/>
+          <a:p>
+            <a:r>
+              <a:rPr lang="ru-RU" dirty="0"/>
+              <a:t>Список шаблонов</a:t>
+            </a:r>
+          </a:p>
+        </p:txBody>
+      </p:sp>
+      <p:sp>
+        <p:nvSpPr>
+          <p:cNvPr id="3" name="Объект 2">
+            <a:extLst>
+              <a:ext uri="{FF2B5EF4-FFF2-40B4-BE49-F238E27FC236}">
+                <a16:creationId xmlns:a16="http://schemas.microsoft.com/office/drawing/2014/main" id="{F1168431-B1F1-40BE-A7DF-022E6481255F}"/>
+              </a:ext>
+            </a:extLst>
+          </p:cNvPr>
+          <p:cNvSpPr>
+            <a:spLocks noGrp="1"/>
+          </p:cNvSpPr>
+          <p:nvPr>
+            <p:ph idx="1"/>
+          </p:nvPr>
+        </p:nvSpPr>
+        <p:spPr/>
+        <p:txBody>
+          <a:bodyPr/>
+          <a:lstStyle/>
+          <a:p>
+            <a:r>
+              <a:rPr lang="ru-RU" dirty="0"/>
+              <a:t>Прежде тем</a:t>
+            </a:r>
+            <a:r>
+              <a:rPr lang="en-US" dirty="0"/>
+              <a:t>, </a:t>
+            </a:r>
+            <a:r>
+              <a:rPr lang="ru-RU" dirty="0"/>
+              <a:t>как начать работу вам нужно выбрать шаблон</a:t>
+            </a:r>
+            <a:r>
+              <a:rPr lang="en-US" dirty="0"/>
+              <a:t>. </a:t>
+            </a:r>
+            <a:r>
+              <a:rPr lang="ru-RU" dirty="0"/>
+              <a:t>Вам будут даны на выбор около 30 картинок</a:t>
+            </a:r>
+            <a:r>
+              <a:rPr lang="en-US" dirty="0"/>
+              <a:t>. </a:t>
+            </a:r>
+            <a:r>
+              <a:rPr lang="ru-RU" dirty="0"/>
+              <a:t>Выбрать картинку нужно двойным кликом</a:t>
+            </a:r>
+            <a:r>
+              <a:rPr lang="en-US" dirty="0"/>
+              <a:t>. </a:t>
+            </a:r>
+            <a:r>
+              <a:rPr lang="ru-RU" dirty="0"/>
+              <a:t>Также шаблон можно искать</a:t>
+            </a:r>
+            <a:r>
+              <a:rPr lang="en-US" dirty="0"/>
+              <a:t>.</a:t>
+            </a:r>
+            <a:endParaRPr lang="ru-RU" dirty="0"/>
+          </a:p>
+        </p:txBody>
+      </p:sp>
+      <p:pic>
+        <p:nvPicPr>
+          <p:cNvPr id="5" name="Рисунок 4" descr="Изображение выглядит как текст, снимок экрана, компьютер&#10;&#10;Автоматически созданное описание">
+            <a:extLst>
+              <a:ext uri="{FF2B5EF4-FFF2-40B4-BE49-F238E27FC236}">
+                <a16:creationId xmlns:a16="http://schemas.microsoft.com/office/drawing/2014/main" id="{E13A1924-4866-4D66-88AD-454C85A60085}"/>
+              </a:ext>
+            </a:extLst>
+          </p:cNvPr>
+          <p:cNvPicPr>
+            <a:picLocks noChangeAspect="1"/>
+          </p:cNvPicPr>
+          <p:nvPr/>
+        </p:nvPicPr>
+        <p:blipFill rotWithShape="1">
+          <a:blip r:embed="rId2">
+            <a:extLst>
+              <a:ext uri="{28A0092B-C50C-407E-A947-70E740481C1C}">
+                <a14:useLocalDpi xmlns:a14="http://schemas.microsoft.com/office/drawing/2010/main" val="0"/>
+              </a:ext>
+            </a:extLst>
+          </a:blip>
+          <a:srcRect l="24141" t="31111" r="24453" b="37639"/>
+          <a:stretch/>
+        </p:blipFill>
+        <p:spPr>
+          <a:xfrm>
+            <a:off x="1209674" y="3105150"/>
+            <a:ext cx="10410825" cy="3559933"/>
+          </a:xfrm>
+          <a:prstGeom prst="rect">
+            <a:avLst/>
+          </a:prstGeom>
+        </p:spPr>
+      </p:pic>
+    </p:spTree>
+    <p:extLst>
+      <p:ext uri="{BB962C8B-B14F-4D97-AF65-F5344CB8AC3E}">
+        <p14:creationId xmlns:p14="http://schemas.microsoft.com/office/powerpoint/2010/main" val="2389537585"/>
+      </p:ext>
+    </p:extLst>
+  </p:cSld>
+  <p:clrMapOvr>
+    <a:masterClrMapping/>
+  </p:clrMapOvr>
+</p:sld>
+</file>
+
+<file path=ppt/slides/slide9.xml><?xml version="1.0" encoding="utf-8"?>
+<p:sld xmlns:a="http://schemas.openxmlformats.org/drawingml/2006/main" xmlns:r="http://schemas.openxmlformats.org/officeDocument/2006/relationships" xmlns:p="http://schemas.openxmlformats.org/presentationml/2006/main">
+  <p:cSld>
+    <p:spTree>
+      <p:nvGrpSpPr>
+        <p:cNvPr id="1" name=""/>
+        <p:cNvGrpSpPr/>
+        <p:nvPr/>
+      </p:nvGrpSpPr>
+      <p:grpSpPr>
+        <a:xfrm>
+          <a:off x="0" y="0"/>
+          <a:ext cx="0" cy="0"/>
+          <a:chOff x="0" y="0"/>
+          <a:chExt cx="0" cy="0"/>
+        </a:xfrm>
+      </p:grpSpPr>
+      <p:sp>
+        <p:nvSpPr>
+          <p:cNvPr id="2" name="Заголовок 1">
+            <a:extLst>
+              <a:ext uri="{FF2B5EF4-FFF2-40B4-BE49-F238E27FC236}">
+                <a16:creationId xmlns:a16="http://schemas.microsoft.com/office/drawing/2014/main" id="{39721A41-091C-4A4B-BAFD-A27D813FC300}"/>
+              </a:ext>
+            </a:extLst>
+          </p:cNvPr>
+          <p:cNvSpPr>
+            <a:spLocks noGrp="1"/>
+          </p:cNvSpPr>
+          <p:nvPr>
+            <p:ph type="title"/>
+          </p:nvPr>
+        </p:nvSpPr>
+        <p:spPr/>
+        <p:txBody>
+          <a:bodyPr/>
+          <a:lstStyle/>
+          <a:p>
+            <a:r>
+              <a:rPr lang="ru-RU" dirty="0"/>
+              <a:t>Редактирование шаблона</a:t>
+            </a:r>
+          </a:p>
+        </p:txBody>
+      </p:sp>
+      <p:sp>
+        <p:nvSpPr>
+          <p:cNvPr id="3" name="Объект 2">
+            <a:extLst>
+              <a:ext uri="{FF2B5EF4-FFF2-40B4-BE49-F238E27FC236}">
+                <a16:creationId xmlns:a16="http://schemas.microsoft.com/office/drawing/2014/main" id="{C092F7B7-4681-4828-BC64-2DD5A6BDB51D}"/>
+              </a:ext>
+            </a:extLst>
+          </p:cNvPr>
+          <p:cNvSpPr>
+            <a:spLocks noGrp="1"/>
+          </p:cNvSpPr>
+          <p:nvPr>
+            <p:ph idx="1"/>
+          </p:nvPr>
+        </p:nvSpPr>
+        <p:spPr>
+          <a:xfrm>
+            <a:off x="838200" y="1825625"/>
+            <a:ext cx="5391150" cy="4351338"/>
+          </a:xfrm>
+        </p:spPr>
+        <p:txBody>
+          <a:bodyPr/>
+          <a:lstStyle/>
+          <a:p>
+            <a:r>
+              <a:rPr lang="ru-RU" dirty="0"/>
+              <a:t>Когда вы выберете шаблон</a:t>
+            </a:r>
+            <a:r>
+              <a:rPr lang="en-US" dirty="0"/>
+              <a:t>, </a:t>
+            </a:r>
+            <a:r>
+              <a:rPr lang="ru-RU" dirty="0"/>
+              <a:t>вам откроется панель работы с ним</a:t>
+            </a:r>
+            <a:r>
+              <a:rPr lang="en-US" dirty="0"/>
+              <a:t>. </a:t>
+            </a:r>
+            <a:r>
+              <a:rPr lang="ru-RU" dirty="0"/>
+              <a:t>На нем уже поставлены 2 текста</a:t>
+            </a:r>
+            <a:r>
+              <a:rPr lang="en-US" dirty="0"/>
+              <a:t>. </a:t>
+            </a:r>
+            <a:r>
+              <a:rPr lang="ru-RU" dirty="0"/>
+              <a:t>Добавить еще одно поле можно нажав на соответствующую кнопку</a:t>
+            </a:r>
+            <a:r>
+              <a:rPr lang="en-US" dirty="0"/>
+              <a:t>. </a:t>
+            </a:r>
+            <a:r>
+              <a:rPr lang="ru-RU" dirty="0"/>
+              <a:t>Кнопка экспорт экспортирует картинку в </a:t>
+            </a:r>
+            <a:r>
+              <a:rPr lang="en-US" dirty="0" err="1"/>
+              <a:t>png</a:t>
+            </a:r>
+            <a:r>
+              <a:rPr lang="en-US" dirty="0"/>
+              <a:t> </a:t>
+            </a:r>
+            <a:r>
+              <a:rPr lang="ru-RU" dirty="0"/>
+              <a:t>либо </a:t>
+            </a:r>
+            <a:r>
+              <a:rPr lang="en-US" dirty="0"/>
+              <a:t>jpg </a:t>
+            </a:r>
+            <a:r>
+              <a:rPr lang="ru-RU" dirty="0"/>
+              <a:t>и сохраняет её в </a:t>
+            </a:r>
+            <a:r>
+              <a:rPr lang="en-US" dirty="0"/>
+              <a:t>“</a:t>
+            </a:r>
+            <a:r>
+              <a:rPr lang="ru-RU" dirty="0"/>
+              <a:t>недавние</a:t>
+            </a:r>
+            <a:r>
+              <a:rPr lang="en-US" dirty="0"/>
+              <a:t>”.</a:t>
+            </a:r>
+            <a:endParaRPr lang="ru-RU" dirty="0"/>
+          </a:p>
+        </p:txBody>
+      </p:sp>
+      <p:pic>
+        <p:nvPicPr>
+          <p:cNvPr id="5" name="Рисунок 4">
+            <a:extLst>
+              <a:ext uri="{FF2B5EF4-FFF2-40B4-BE49-F238E27FC236}">
+                <a16:creationId xmlns:a16="http://schemas.microsoft.com/office/drawing/2014/main" id="{8DDFC392-DC69-4EF5-A9F2-BF86EDB02CF9}"/>
+              </a:ext>
+            </a:extLst>
+          </p:cNvPr>
+          <p:cNvPicPr>
+            <a:picLocks noChangeAspect="1"/>
+          </p:cNvPicPr>
+          <p:nvPr/>
+        </p:nvPicPr>
+        <p:blipFill rotWithShape="1">
+          <a:blip r:embed="rId2">
+            <a:extLst>
+              <a:ext uri="{28A0092B-C50C-407E-A947-70E740481C1C}">
+                <a14:useLocalDpi xmlns:a14="http://schemas.microsoft.com/office/drawing/2010/main" val="0"/>
+              </a:ext>
+            </a:extLst>
+          </a:blip>
+          <a:srcRect l="25077" t="14028" r="25000" b="22523"/>
+          <a:stretch/>
+        </p:blipFill>
+        <p:spPr>
+          <a:xfrm>
+            <a:off x="6229350" y="1914151"/>
+            <a:ext cx="5962650" cy="4262812"/>
+          </a:xfrm>
+          <a:prstGeom prst="rect">
+            <a:avLst/>
+          </a:prstGeom>
+        </p:spPr>
+      </p:pic>
+    </p:spTree>
+    <p:extLst>
+      <p:ext uri="{BB962C8B-B14F-4D97-AF65-F5344CB8AC3E}">
+        <p14:creationId xmlns:p14="http://schemas.microsoft.com/office/powerpoint/2010/main" val="1128418171"/>
       </p:ext>
     </p:extLst>
   </p:cSld>

--- a/презентация.pptx
+++ b/презентация.pptx
@@ -4157,8 +4157,16 @@
               <a:t>Огромную долю контента в них составляют смешные картинки</a:t>
             </a:r>
             <a:r>
+              <a:rPr lang="en-US"/>
+              <a:t> </a:t>
+            </a:r>
+            <a:r>
               <a:rPr lang="en-US" dirty="0"/>
-              <a:t>, </a:t>
+              <a:t>-</a:t>
+            </a:r>
+            <a:r>
+              <a:rPr lang="en-US"/>
+              <a:t> </a:t>
             </a:r>
             <a:r>
               <a:rPr lang="ru-RU" dirty="0"/>
